--- a/201904/传感器报告.pptx
+++ b/201904/传感器报告.pptx
@@ -18,6 +18,10 @@
     <p:sldId id="266" r:id="rId12"/>
     <p:sldId id="267" r:id="rId13"/>
     <p:sldId id="268" r:id="rId14"/>
+    <p:sldId id="269" r:id="rId15"/>
+    <p:sldId id="271" r:id="rId16"/>
+    <p:sldId id="272" r:id="rId17"/>
+    <p:sldId id="273" r:id="rId18"/>
   </p:sldIdLst>
   <p:sldSz cx="12192000" cy="6858000"/>
   <p:notesSz cx="6858000" cy="9144000"/>
@@ -282,7 +286,7 @@
           <a:p>
             <a:fld id="{DA3EA4F2-B65B-4DB1-8EC1-C125016FAE32}" type="datetimeFigureOut">
               <a:rPr lang="zh-CN" altLang="en-US" smtClean="0"/>
-              <a:t>2019/5/8</a:t>
+              <a:t>2019/5/18</a:t>
             </a:fld>
             <a:endParaRPr lang="zh-CN" altLang="en-US"/>
           </a:p>
@@ -480,7 +484,7 @@
           <a:p>
             <a:fld id="{DA3EA4F2-B65B-4DB1-8EC1-C125016FAE32}" type="datetimeFigureOut">
               <a:rPr lang="zh-CN" altLang="en-US" smtClean="0"/>
-              <a:t>2019/5/8</a:t>
+              <a:t>2019/5/18</a:t>
             </a:fld>
             <a:endParaRPr lang="zh-CN" altLang="en-US"/>
           </a:p>
@@ -688,7 +692,7 @@
           <a:p>
             <a:fld id="{DA3EA4F2-B65B-4DB1-8EC1-C125016FAE32}" type="datetimeFigureOut">
               <a:rPr lang="zh-CN" altLang="en-US" smtClean="0"/>
-              <a:t>2019/5/8</a:t>
+              <a:t>2019/5/18</a:t>
             </a:fld>
             <a:endParaRPr lang="zh-CN" altLang="en-US"/>
           </a:p>
@@ -886,7 +890,7 @@
           <a:p>
             <a:fld id="{DA3EA4F2-B65B-4DB1-8EC1-C125016FAE32}" type="datetimeFigureOut">
               <a:rPr lang="zh-CN" altLang="en-US" smtClean="0"/>
-              <a:t>2019/5/8</a:t>
+              <a:t>2019/5/18</a:t>
             </a:fld>
             <a:endParaRPr lang="zh-CN" altLang="en-US"/>
           </a:p>
@@ -1161,7 +1165,7 @@
           <a:p>
             <a:fld id="{DA3EA4F2-B65B-4DB1-8EC1-C125016FAE32}" type="datetimeFigureOut">
               <a:rPr lang="zh-CN" altLang="en-US" smtClean="0"/>
-              <a:t>2019/5/8</a:t>
+              <a:t>2019/5/18</a:t>
             </a:fld>
             <a:endParaRPr lang="zh-CN" altLang="en-US"/>
           </a:p>
@@ -1426,7 +1430,7 @@
           <a:p>
             <a:fld id="{DA3EA4F2-B65B-4DB1-8EC1-C125016FAE32}" type="datetimeFigureOut">
               <a:rPr lang="zh-CN" altLang="en-US" smtClean="0"/>
-              <a:t>2019/5/8</a:t>
+              <a:t>2019/5/18</a:t>
             </a:fld>
             <a:endParaRPr lang="zh-CN" altLang="en-US"/>
           </a:p>
@@ -1838,7 +1842,7 @@
           <a:p>
             <a:fld id="{DA3EA4F2-B65B-4DB1-8EC1-C125016FAE32}" type="datetimeFigureOut">
               <a:rPr lang="zh-CN" altLang="en-US" smtClean="0"/>
-              <a:t>2019/5/8</a:t>
+              <a:t>2019/5/18</a:t>
             </a:fld>
             <a:endParaRPr lang="zh-CN" altLang="en-US"/>
           </a:p>
@@ -1979,7 +1983,7 @@
           <a:p>
             <a:fld id="{DA3EA4F2-B65B-4DB1-8EC1-C125016FAE32}" type="datetimeFigureOut">
               <a:rPr lang="zh-CN" altLang="en-US" smtClean="0"/>
-              <a:t>2019/5/8</a:t>
+              <a:t>2019/5/18</a:t>
             </a:fld>
             <a:endParaRPr lang="zh-CN" altLang="en-US"/>
           </a:p>
@@ -2092,7 +2096,7 @@
           <a:p>
             <a:fld id="{DA3EA4F2-B65B-4DB1-8EC1-C125016FAE32}" type="datetimeFigureOut">
               <a:rPr lang="zh-CN" altLang="en-US" smtClean="0"/>
-              <a:t>2019/5/8</a:t>
+              <a:t>2019/5/18</a:t>
             </a:fld>
             <a:endParaRPr lang="zh-CN" altLang="en-US"/>
           </a:p>
@@ -2403,7 +2407,7 @@
           <a:p>
             <a:fld id="{DA3EA4F2-B65B-4DB1-8EC1-C125016FAE32}" type="datetimeFigureOut">
               <a:rPr lang="zh-CN" altLang="en-US" smtClean="0"/>
-              <a:t>2019/5/8</a:t>
+              <a:t>2019/5/18</a:t>
             </a:fld>
             <a:endParaRPr lang="zh-CN" altLang="en-US"/>
           </a:p>
@@ -2691,7 +2695,7 @@
           <a:p>
             <a:fld id="{DA3EA4F2-B65B-4DB1-8EC1-C125016FAE32}" type="datetimeFigureOut">
               <a:rPr lang="zh-CN" altLang="en-US" smtClean="0"/>
-              <a:t>2019/5/8</a:t>
+              <a:t>2019/5/18</a:t>
             </a:fld>
             <a:endParaRPr lang="zh-CN" altLang="en-US"/>
           </a:p>
@@ -2932,7 +2936,7 @@
           <a:p>
             <a:fld id="{DA3EA4F2-B65B-4DB1-8EC1-C125016FAE32}" type="datetimeFigureOut">
               <a:rPr lang="zh-CN" altLang="en-US" smtClean="0"/>
-              <a:t>2019/5/8</a:t>
+              <a:t>2019/5/18</a:t>
             </a:fld>
             <a:endParaRPr lang="zh-CN" altLang="en-US"/>
           </a:p>
@@ -3930,6 +3934,1256 @@
 </p:sld>
 </file>
 
+<file path=ppt/slides/slide14.xml><?xml version="1.0" encoding="utf-8"?>
+<p:sld xmlns:a="http://schemas.openxmlformats.org/drawingml/2006/main" xmlns:r="http://schemas.openxmlformats.org/officeDocument/2006/relationships" xmlns:p="http://schemas.openxmlformats.org/presentationml/2006/main">
+  <p:cSld>
+    <p:spTree>
+      <p:nvGrpSpPr>
+        <p:cNvPr id="1" name=""/>
+        <p:cNvGrpSpPr/>
+        <p:nvPr/>
+      </p:nvGrpSpPr>
+      <p:grpSpPr>
+        <a:xfrm>
+          <a:off x="0" y="0"/>
+          <a:ext cx="0" cy="0"/>
+          <a:chOff x="0" y="0"/>
+          <a:chExt cx="0" cy="0"/>
+        </a:xfrm>
+      </p:grpSpPr>
+      <p:sp>
+        <p:nvSpPr>
+          <p:cNvPr id="2" name="标题 1">
+            <a:extLst>
+              <a:ext uri="{FF2B5EF4-FFF2-40B4-BE49-F238E27FC236}">
+                <a16:creationId xmlns:a16="http://schemas.microsoft.com/office/drawing/2014/main" id="{322D53FE-81E9-47BC-8877-B873D659F526}"/>
+              </a:ext>
+            </a:extLst>
+          </p:cNvPr>
+          <p:cNvSpPr>
+            <a:spLocks noGrp="1"/>
+          </p:cNvSpPr>
+          <p:nvPr>
+            <p:ph type="title"/>
+          </p:nvPr>
+        </p:nvSpPr>
+        <p:spPr/>
+        <p:txBody>
+          <a:bodyPr/>
+          <a:lstStyle/>
+          <a:p>
+            <a:r>
+              <a:rPr lang="zh-CN" altLang="en-US" dirty="0"/>
+              <a:t>手机</a:t>
+            </a:r>
+          </a:p>
+        </p:txBody>
+      </p:sp>
+      <p:sp>
+        <p:nvSpPr>
+          <p:cNvPr id="3" name="内容占位符 2">
+            <a:extLst>
+              <a:ext uri="{FF2B5EF4-FFF2-40B4-BE49-F238E27FC236}">
+                <a16:creationId xmlns:a16="http://schemas.microsoft.com/office/drawing/2014/main" id="{E7B2EAE8-B206-41CE-95AA-49334C1D252D}"/>
+              </a:ext>
+            </a:extLst>
+          </p:cNvPr>
+          <p:cNvSpPr>
+            <a:spLocks noGrp="1"/>
+          </p:cNvSpPr>
+          <p:nvPr>
+            <p:ph idx="1"/>
+          </p:nvPr>
+        </p:nvSpPr>
+        <p:spPr>
+          <a:xfrm>
+            <a:off x="838200" y="1825625"/>
+            <a:ext cx="3733800" cy="4351338"/>
+          </a:xfrm>
+        </p:spPr>
+        <p:txBody>
+          <a:bodyPr/>
+          <a:lstStyle/>
+          <a:p>
+            <a:r>
+              <a:rPr lang="zh-CN" altLang="en-US" dirty="0"/>
+              <a:t>飞行模式</a:t>
+            </a:r>
+            <a:endParaRPr lang="en-US" altLang="zh-CN" dirty="0"/>
+          </a:p>
+          <a:p>
+            <a:r>
+              <a:rPr lang="zh-CN" altLang="en-US" dirty="0"/>
+              <a:t>电池状态</a:t>
+            </a:r>
+            <a:endParaRPr lang="en-US" altLang="zh-CN" dirty="0"/>
+          </a:p>
+          <a:p>
+            <a:r>
+              <a:rPr lang="zh-CN" altLang="en-US" dirty="0"/>
+              <a:t>蓝牙状态</a:t>
+            </a:r>
+            <a:endParaRPr lang="en-US" altLang="zh-CN" dirty="0"/>
+          </a:p>
+          <a:p>
+            <a:r>
+              <a:rPr lang="zh-CN" altLang="en-US" dirty="0"/>
+              <a:t>休眠模式</a:t>
+            </a:r>
+            <a:endParaRPr lang="en-US" altLang="zh-CN" dirty="0"/>
+          </a:p>
+          <a:p>
+            <a:r>
+              <a:rPr lang="zh-CN" altLang="en-US" dirty="0"/>
+              <a:t>耳机</a:t>
+            </a:r>
+            <a:endParaRPr lang="en-US" altLang="zh-CN" dirty="0"/>
+          </a:p>
+          <a:p>
+            <a:r>
+              <a:rPr lang="zh-CN" altLang="en-US" dirty="0"/>
+              <a:t>音乐播放</a:t>
+            </a:r>
+            <a:endParaRPr lang="en-US" altLang="zh-CN" dirty="0"/>
+          </a:p>
+          <a:p>
+            <a:r>
+              <a:rPr lang="en-US" altLang="zh-CN" dirty="0"/>
+              <a:t>WIFI</a:t>
+            </a:r>
+            <a:r>
+              <a:rPr lang="zh-CN" altLang="en-US" dirty="0"/>
+              <a:t>网络信号扫描</a:t>
+            </a:r>
+            <a:endParaRPr lang="en-US" altLang="zh-CN" dirty="0"/>
+          </a:p>
+          <a:p>
+            <a:r>
+              <a:rPr lang="zh-CN" altLang="en-US" dirty="0"/>
+              <a:t>来电</a:t>
+            </a:r>
+            <a:r>
+              <a:rPr lang="en-US" altLang="zh-CN" dirty="0"/>
+              <a:t>, </a:t>
+            </a:r>
+            <a:r>
+              <a:rPr lang="zh-CN" altLang="en-US" dirty="0"/>
+              <a:t>打电话</a:t>
+            </a:r>
+          </a:p>
+        </p:txBody>
+      </p:sp>
+      <p:sp>
+        <p:nvSpPr>
+          <p:cNvPr id="6" name="内容占位符 2">
+            <a:extLst>
+              <a:ext uri="{FF2B5EF4-FFF2-40B4-BE49-F238E27FC236}">
+                <a16:creationId xmlns:a16="http://schemas.microsoft.com/office/drawing/2014/main" id="{538A8240-8627-4832-B17B-D4A7775D7B3E}"/>
+              </a:ext>
+            </a:extLst>
+          </p:cNvPr>
+          <p:cNvSpPr txBox="1">
+            <a:spLocks/>
+          </p:cNvSpPr>
+          <p:nvPr/>
+        </p:nvSpPr>
+        <p:spPr>
+          <a:xfrm>
+            <a:off x="6096000" y="1690688"/>
+            <a:ext cx="3780692" cy="4351338"/>
+          </a:xfrm>
+          <a:prstGeom prst="rect">
+            <a:avLst/>
+          </a:prstGeom>
+        </p:spPr>
+        <p:txBody>
+          <a:bodyPr vert="horz" lIns="91440" tIns="45720" rIns="91440" bIns="45720" rtlCol="0">
+            <a:normAutofit/>
+          </a:bodyPr>
+          <a:lstStyle>
+            <a:lvl1pPr marL="228600" indent="-228600" algn="l" defTabSz="914400" rtl="0" eaLnBrk="1" latinLnBrk="0" hangingPunct="1">
+              <a:lnSpc>
+                <a:spcPct val="90000"/>
+              </a:lnSpc>
+              <a:spcBef>
+                <a:spcPts val="1000"/>
+              </a:spcBef>
+              <a:buFont typeface="Arial" panose="020B0604020202020204" pitchFamily="34" charset="0"/>
+              <a:buChar char="•"/>
+              <a:defRPr sz="2800" kern="1200">
+                <a:solidFill>
+                  <a:schemeClr val="tx1"/>
+                </a:solidFill>
+                <a:latin typeface="+mn-lt"/>
+                <a:ea typeface="+mn-ea"/>
+                <a:cs typeface="+mn-cs"/>
+              </a:defRPr>
+            </a:lvl1pPr>
+            <a:lvl2pPr marL="685800" indent="-228600" algn="l" defTabSz="914400" rtl="0" eaLnBrk="1" latinLnBrk="0" hangingPunct="1">
+              <a:lnSpc>
+                <a:spcPct val="90000"/>
+              </a:lnSpc>
+              <a:spcBef>
+                <a:spcPts val="500"/>
+              </a:spcBef>
+              <a:buFont typeface="Arial" panose="020B0604020202020204" pitchFamily="34" charset="0"/>
+              <a:buChar char="•"/>
+              <a:defRPr sz="2400" kern="1200">
+                <a:solidFill>
+                  <a:schemeClr val="tx1"/>
+                </a:solidFill>
+                <a:latin typeface="+mn-lt"/>
+                <a:ea typeface="+mn-ea"/>
+                <a:cs typeface="+mn-cs"/>
+              </a:defRPr>
+            </a:lvl2pPr>
+            <a:lvl3pPr marL="1143000" indent="-228600" algn="l" defTabSz="914400" rtl="0" eaLnBrk="1" latinLnBrk="0" hangingPunct="1">
+              <a:lnSpc>
+                <a:spcPct val="90000"/>
+              </a:lnSpc>
+              <a:spcBef>
+                <a:spcPts val="500"/>
+              </a:spcBef>
+              <a:buFont typeface="Arial" panose="020B0604020202020204" pitchFamily="34" charset="0"/>
+              <a:buChar char="•"/>
+              <a:defRPr sz="2000" kern="1200">
+                <a:solidFill>
+                  <a:schemeClr val="tx1"/>
+                </a:solidFill>
+                <a:latin typeface="+mn-lt"/>
+                <a:ea typeface="+mn-ea"/>
+                <a:cs typeface="+mn-cs"/>
+              </a:defRPr>
+            </a:lvl3pPr>
+            <a:lvl4pPr marL="1600200" indent="-228600" algn="l" defTabSz="914400" rtl="0" eaLnBrk="1" latinLnBrk="0" hangingPunct="1">
+              <a:lnSpc>
+                <a:spcPct val="90000"/>
+              </a:lnSpc>
+              <a:spcBef>
+                <a:spcPts val="500"/>
+              </a:spcBef>
+              <a:buFont typeface="Arial" panose="020B0604020202020204" pitchFamily="34" charset="0"/>
+              <a:buChar char="•"/>
+              <a:defRPr sz="1800" kern="1200">
+                <a:solidFill>
+                  <a:schemeClr val="tx1"/>
+                </a:solidFill>
+                <a:latin typeface="+mn-lt"/>
+                <a:ea typeface="+mn-ea"/>
+                <a:cs typeface="+mn-cs"/>
+              </a:defRPr>
+            </a:lvl4pPr>
+            <a:lvl5pPr marL="2057400" indent="-228600" algn="l" defTabSz="914400" rtl="0" eaLnBrk="1" latinLnBrk="0" hangingPunct="1">
+              <a:lnSpc>
+                <a:spcPct val="90000"/>
+              </a:lnSpc>
+              <a:spcBef>
+                <a:spcPts val="500"/>
+              </a:spcBef>
+              <a:buFont typeface="Arial" panose="020B0604020202020204" pitchFamily="34" charset="0"/>
+              <a:buChar char="•"/>
+              <a:defRPr sz="1800" kern="1200">
+                <a:solidFill>
+                  <a:schemeClr val="tx1"/>
+                </a:solidFill>
+                <a:latin typeface="+mn-lt"/>
+                <a:ea typeface="+mn-ea"/>
+                <a:cs typeface="+mn-cs"/>
+              </a:defRPr>
+            </a:lvl5pPr>
+            <a:lvl6pPr marL="2514600" indent="-228600" algn="l" defTabSz="914400" rtl="0" eaLnBrk="1" latinLnBrk="0" hangingPunct="1">
+              <a:lnSpc>
+                <a:spcPct val="90000"/>
+              </a:lnSpc>
+              <a:spcBef>
+                <a:spcPts val="500"/>
+              </a:spcBef>
+              <a:buFont typeface="Arial" panose="020B0604020202020204" pitchFamily="34" charset="0"/>
+              <a:buChar char="•"/>
+              <a:defRPr sz="1800" kern="1200">
+                <a:solidFill>
+                  <a:schemeClr val="tx1"/>
+                </a:solidFill>
+                <a:latin typeface="+mn-lt"/>
+                <a:ea typeface="+mn-ea"/>
+                <a:cs typeface="+mn-cs"/>
+              </a:defRPr>
+            </a:lvl6pPr>
+            <a:lvl7pPr marL="2971800" indent="-228600" algn="l" defTabSz="914400" rtl="0" eaLnBrk="1" latinLnBrk="0" hangingPunct="1">
+              <a:lnSpc>
+                <a:spcPct val="90000"/>
+              </a:lnSpc>
+              <a:spcBef>
+                <a:spcPts val="500"/>
+              </a:spcBef>
+              <a:buFont typeface="Arial" panose="020B0604020202020204" pitchFamily="34" charset="0"/>
+              <a:buChar char="•"/>
+              <a:defRPr sz="1800" kern="1200">
+                <a:solidFill>
+                  <a:schemeClr val="tx1"/>
+                </a:solidFill>
+                <a:latin typeface="+mn-lt"/>
+                <a:ea typeface="+mn-ea"/>
+                <a:cs typeface="+mn-cs"/>
+              </a:defRPr>
+            </a:lvl7pPr>
+            <a:lvl8pPr marL="3429000" indent="-228600" algn="l" defTabSz="914400" rtl="0" eaLnBrk="1" latinLnBrk="0" hangingPunct="1">
+              <a:lnSpc>
+                <a:spcPct val="90000"/>
+              </a:lnSpc>
+              <a:spcBef>
+                <a:spcPts val="500"/>
+              </a:spcBef>
+              <a:buFont typeface="Arial" panose="020B0604020202020204" pitchFamily="34" charset="0"/>
+              <a:buChar char="•"/>
+              <a:defRPr sz="1800" kern="1200">
+                <a:solidFill>
+                  <a:schemeClr val="tx1"/>
+                </a:solidFill>
+                <a:latin typeface="+mn-lt"/>
+                <a:ea typeface="+mn-ea"/>
+                <a:cs typeface="+mn-cs"/>
+              </a:defRPr>
+            </a:lvl8pPr>
+            <a:lvl9pPr marL="3886200" indent="-228600" algn="l" defTabSz="914400" rtl="0" eaLnBrk="1" latinLnBrk="0" hangingPunct="1">
+              <a:lnSpc>
+                <a:spcPct val="90000"/>
+              </a:lnSpc>
+              <a:spcBef>
+                <a:spcPts val="500"/>
+              </a:spcBef>
+              <a:buFont typeface="Arial" panose="020B0604020202020204" pitchFamily="34" charset="0"/>
+              <a:buChar char="•"/>
+              <a:defRPr sz="1800" kern="1200">
+                <a:solidFill>
+                  <a:schemeClr val="tx1"/>
+                </a:solidFill>
+                <a:latin typeface="+mn-lt"/>
+                <a:ea typeface="+mn-ea"/>
+                <a:cs typeface="+mn-cs"/>
+              </a:defRPr>
+            </a:lvl9pPr>
+          </a:lstStyle>
+          <a:p>
+            <a:r>
+              <a:rPr lang="zh-CN" altLang="en-US"/>
+              <a:t>息屏</a:t>
+            </a:r>
+            <a:r>
+              <a:rPr lang="en-US" altLang="zh-CN"/>
+              <a:t>/</a:t>
+            </a:r>
+            <a:r>
+              <a:rPr lang="zh-CN" altLang="en-US"/>
+              <a:t>亮屏</a:t>
+            </a:r>
+            <a:endParaRPr lang="en-US" altLang="zh-CN"/>
+          </a:p>
+          <a:p>
+            <a:r>
+              <a:rPr lang="zh-CN" altLang="en-US"/>
+              <a:t>收到短信</a:t>
+            </a:r>
+            <a:r>
+              <a:rPr lang="en-US" altLang="zh-CN"/>
+              <a:t>/ </a:t>
+            </a:r>
+            <a:r>
+              <a:rPr lang="zh-CN" altLang="en-US"/>
+              <a:t>发送短信</a:t>
+            </a:r>
+            <a:endParaRPr lang="en-US" altLang="zh-CN"/>
+          </a:p>
+          <a:p>
+            <a:r>
+              <a:rPr lang="zh-CN" altLang="en-US"/>
+              <a:t>点击屏幕</a:t>
+            </a:r>
+            <a:endParaRPr lang="en-US" altLang="zh-CN"/>
+          </a:p>
+          <a:p>
+            <a:r>
+              <a:rPr lang="zh-CN" altLang="en-US"/>
+              <a:t>手机解锁</a:t>
+            </a:r>
+            <a:endParaRPr lang="en-US" altLang="zh-CN"/>
+          </a:p>
+          <a:p>
+            <a:r>
+              <a:rPr lang="zh-CN" altLang="en-US"/>
+              <a:t>其他应用使用情况</a:t>
+            </a:r>
+            <a:endParaRPr lang="en-US" altLang="zh-CN"/>
+          </a:p>
+          <a:p>
+            <a:r>
+              <a:rPr lang="zh-CN" altLang="en-US"/>
+              <a:t>蜂窝网络信号扫描</a:t>
+            </a:r>
+            <a:endParaRPr lang="en-US" altLang="zh-CN"/>
+          </a:p>
+          <a:p>
+            <a:r>
+              <a:rPr lang="zh-CN" altLang="en-US"/>
+              <a:t>定位</a:t>
+            </a:r>
+            <a:endParaRPr lang="en-US" altLang="zh-CN"/>
+          </a:p>
+          <a:p>
+            <a:r>
+              <a:rPr lang="zh-CN" altLang="en-US"/>
+              <a:t>手机上的所有通知</a:t>
+            </a:r>
+            <a:endParaRPr lang="en-US" altLang="zh-CN"/>
+          </a:p>
+          <a:p>
+            <a:endParaRPr lang="zh-CN" altLang="en-US" dirty="0"/>
+          </a:p>
+        </p:txBody>
+      </p:sp>
+    </p:spTree>
+    <p:extLst>
+      <p:ext uri="{BB962C8B-B14F-4D97-AF65-F5344CB8AC3E}">
+        <p14:creationId xmlns:p14="http://schemas.microsoft.com/office/powerpoint/2010/main" val="4128376750"/>
+      </p:ext>
+    </p:extLst>
+  </p:cSld>
+  <p:clrMapOvr>
+    <a:masterClrMapping/>
+  </p:clrMapOvr>
+</p:sld>
+</file>
+
+<file path=ppt/slides/slide15.xml><?xml version="1.0" encoding="utf-8"?>
+<p:sld xmlns:a="http://schemas.openxmlformats.org/drawingml/2006/main" xmlns:r="http://schemas.openxmlformats.org/officeDocument/2006/relationships" xmlns:p="http://schemas.openxmlformats.org/presentationml/2006/main">
+  <p:cSld>
+    <p:spTree>
+      <p:nvGrpSpPr>
+        <p:cNvPr id="1" name=""/>
+        <p:cNvGrpSpPr/>
+        <p:nvPr/>
+      </p:nvGrpSpPr>
+      <p:grpSpPr>
+        <a:xfrm>
+          <a:off x="0" y="0"/>
+          <a:ext cx="0" cy="0"/>
+          <a:chOff x="0" y="0"/>
+          <a:chExt cx="0" cy="0"/>
+        </a:xfrm>
+      </p:grpSpPr>
+      <p:sp>
+        <p:nvSpPr>
+          <p:cNvPr id="2" name="标题 1">
+            <a:extLst>
+              <a:ext uri="{FF2B5EF4-FFF2-40B4-BE49-F238E27FC236}">
+                <a16:creationId xmlns:a16="http://schemas.microsoft.com/office/drawing/2014/main" id="{EB91953A-699C-46C0-A0E1-ED4FE2CA3151}"/>
+              </a:ext>
+            </a:extLst>
+          </p:cNvPr>
+          <p:cNvSpPr>
+            <a:spLocks noGrp="1"/>
+          </p:cNvSpPr>
+          <p:nvPr>
+            <p:ph type="title"/>
+          </p:nvPr>
+        </p:nvSpPr>
+        <p:spPr/>
+        <p:txBody>
+          <a:bodyPr/>
+          <a:lstStyle/>
+          <a:p>
+            <a:r>
+              <a:rPr lang="zh-CN" altLang="en-US" dirty="0"/>
+              <a:t>物理传感器</a:t>
+            </a:r>
+          </a:p>
+        </p:txBody>
+      </p:sp>
+      <p:sp>
+        <p:nvSpPr>
+          <p:cNvPr id="3" name="内容占位符 2">
+            <a:extLst>
+              <a:ext uri="{FF2B5EF4-FFF2-40B4-BE49-F238E27FC236}">
+                <a16:creationId xmlns:a16="http://schemas.microsoft.com/office/drawing/2014/main" id="{355F2F47-85BB-46F9-A808-65F1AF275CD6}"/>
+              </a:ext>
+            </a:extLst>
+          </p:cNvPr>
+          <p:cNvSpPr>
+            <a:spLocks noGrp="1"/>
+          </p:cNvSpPr>
+          <p:nvPr>
+            <p:ph idx="1"/>
+          </p:nvPr>
+        </p:nvSpPr>
+        <p:spPr>
+          <a:xfrm>
+            <a:off x="838200" y="1825625"/>
+            <a:ext cx="3593123" cy="4351338"/>
+          </a:xfrm>
+        </p:spPr>
+        <p:txBody>
+          <a:bodyPr>
+            <a:normAutofit lnSpcReduction="10000"/>
+          </a:bodyPr>
+          <a:lstStyle/>
+          <a:p>
+            <a:r>
+              <a:rPr lang="zh-CN" altLang="en-US" dirty="0"/>
+              <a:t>加速度传感器</a:t>
+            </a:r>
+            <a:endParaRPr lang="en-US" altLang="zh-CN" dirty="0"/>
+          </a:p>
+          <a:p>
+            <a:r>
+              <a:rPr lang="zh-CN" altLang="en-US" dirty="0"/>
+              <a:t>重力传感器</a:t>
+            </a:r>
+            <a:endParaRPr lang="en-US" altLang="zh-CN" dirty="0"/>
+          </a:p>
+          <a:p>
+            <a:r>
+              <a:rPr lang="zh-CN" altLang="en-US" dirty="0"/>
+              <a:t>陀螺仪传感器</a:t>
+            </a:r>
+            <a:endParaRPr lang="en-US" altLang="zh-CN" dirty="0"/>
+          </a:p>
+          <a:p>
+            <a:r>
+              <a:rPr lang="zh-CN" altLang="en-US" dirty="0"/>
+              <a:t>线性加速度传感器</a:t>
+            </a:r>
+            <a:endParaRPr lang="en-US" altLang="zh-CN" dirty="0"/>
+          </a:p>
+          <a:p>
+            <a:r>
+              <a:rPr lang="zh-CN" altLang="en-US" dirty="0"/>
+              <a:t>旋转传感器</a:t>
+            </a:r>
+            <a:endParaRPr lang="en-US" altLang="zh-CN" dirty="0"/>
+          </a:p>
+          <a:p>
+            <a:r>
+              <a:rPr lang="zh-CN" altLang="en-US" dirty="0"/>
+              <a:t>磁场传感器</a:t>
+            </a:r>
+            <a:endParaRPr lang="en-US" altLang="zh-CN" dirty="0"/>
+          </a:p>
+          <a:p>
+            <a:r>
+              <a:rPr lang="zh-CN" altLang="en-US" dirty="0"/>
+              <a:t>手机姿态传感器</a:t>
+            </a:r>
+            <a:endParaRPr lang="en-US" altLang="zh-CN" dirty="0"/>
+          </a:p>
+          <a:p>
+            <a:r>
+              <a:rPr lang="zh-CN" altLang="en-US" dirty="0"/>
+              <a:t>距离传感器</a:t>
+            </a:r>
+            <a:endParaRPr lang="en-US" altLang="zh-CN" dirty="0"/>
+          </a:p>
+          <a:p>
+            <a:r>
+              <a:rPr lang="zh-CN" altLang="en-US" dirty="0"/>
+              <a:t>温度传感器</a:t>
+            </a:r>
+          </a:p>
+        </p:txBody>
+      </p:sp>
+      <p:sp>
+        <p:nvSpPr>
+          <p:cNvPr id="4" name="内容占位符 2">
+            <a:extLst>
+              <a:ext uri="{FF2B5EF4-FFF2-40B4-BE49-F238E27FC236}">
+                <a16:creationId xmlns:a16="http://schemas.microsoft.com/office/drawing/2014/main" id="{D69D4A46-06CF-4B25-A661-C349718F10B1}"/>
+              </a:ext>
+            </a:extLst>
+          </p:cNvPr>
+          <p:cNvSpPr txBox="1">
+            <a:spLocks/>
+          </p:cNvSpPr>
+          <p:nvPr/>
+        </p:nvSpPr>
+        <p:spPr>
+          <a:xfrm>
+            <a:off x="6096000" y="1825625"/>
+            <a:ext cx="2842846" cy="4351338"/>
+          </a:xfrm>
+          <a:prstGeom prst="rect">
+            <a:avLst/>
+          </a:prstGeom>
+        </p:spPr>
+        <p:txBody>
+          <a:bodyPr vert="horz" lIns="91440" tIns="45720" rIns="91440" bIns="45720" rtlCol="0">
+            <a:normAutofit/>
+          </a:bodyPr>
+          <a:lstStyle>
+            <a:lvl1pPr marL="228600" indent="-228600" algn="l" defTabSz="914400" rtl="0" eaLnBrk="1" latinLnBrk="0" hangingPunct="1">
+              <a:lnSpc>
+                <a:spcPct val="90000"/>
+              </a:lnSpc>
+              <a:spcBef>
+                <a:spcPts val="1000"/>
+              </a:spcBef>
+              <a:buFont typeface="Arial" panose="020B0604020202020204" pitchFamily="34" charset="0"/>
+              <a:buChar char="•"/>
+              <a:defRPr sz="2800" kern="1200">
+                <a:solidFill>
+                  <a:schemeClr val="tx1"/>
+                </a:solidFill>
+                <a:latin typeface="+mn-lt"/>
+                <a:ea typeface="+mn-ea"/>
+                <a:cs typeface="+mn-cs"/>
+              </a:defRPr>
+            </a:lvl1pPr>
+            <a:lvl2pPr marL="685800" indent="-228600" algn="l" defTabSz="914400" rtl="0" eaLnBrk="1" latinLnBrk="0" hangingPunct="1">
+              <a:lnSpc>
+                <a:spcPct val="90000"/>
+              </a:lnSpc>
+              <a:spcBef>
+                <a:spcPts val="500"/>
+              </a:spcBef>
+              <a:buFont typeface="Arial" panose="020B0604020202020204" pitchFamily="34" charset="0"/>
+              <a:buChar char="•"/>
+              <a:defRPr sz="2400" kern="1200">
+                <a:solidFill>
+                  <a:schemeClr val="tx1"/>
+                </a:solidFill>
+                <a:latin typeface="+mn-lt"/>
+                <a:ea typeface="+mn-ea"/>
+                <a:cs typeface="+mn-cs"/>
+              </a:defRPr>
+            </a:lvl2pPr>
+            <a:lvl3pPr marL="1143000" indent="-228600" algn="l" defTabSz="914400" rtl="0" eaLnBrk="1" latinLnBrk="0" hangingPunct="1">
+              <a:lnSpc>
+                <a:spcPct val="90000"/>
+              </a:lnSpc>
+              <a:spcBef>
+                <a:spcPts val="500"/>
+              </a:spcBef>
+              <a:buFont typeface="Arial" panose="020B0604020202020204" pitchFamily="34" charset="0"/>
+              <a:buChar char="•"/>
+              <a:defRPr sz="2000" kern="1200">
+                <a:solidFill>
+                  <a:schemeClr val="tx1"/>
+                </a:solidFill>
+                <a:latin typeface="+mn-lt"/>
+                <a:ea typeface="+mn-ea"/>
+                <a:cs typeface="+mn-cs"/>
+              </a:defRPr>
+            </a:lvl3pPr>
+            <a:lvl4pPr marL="1600200" indent="-228600" algn="l" defTabSz="914400" rtl="0" eaLnBrk="1" latinLnBrk="0" hangingPunct="1">
+              <a:lnSpc>
+                <a:spcPct val="90000"/>
+              </a:lnSpc>
+              <a:spcBef>
+                <a:spcPts val="500"/>
+              </a:spcBef>
+              <a:buFont typeface="Arial" panose="020B0604020202020204" pitchFamily="34" charset="0"/>
+              <a:buChar char="•"/>
+              <a:defRPr sz="1800" kern="1200">
+                <a:solidFill>
+                  <a:schemeClr val="tx1"/>
+                </a:solidFill>
+                <a:latin typeface="+mn-lt"/>
+                <a:ea typeface="+mn-ea"/>
+                <a:cs typeface="+mn-cs"/>
+              </a:defRPr>
+            </a:lvl4pPr>
+            <a:lvl5pPr marL="2057400" indent="-228600" algn="l" defTabSz="914400" rtl="0" eaLnBrk="1" latinLnBrk="0" hangingPunct="1">
+              <a:lnSpc>
+                <a:spcPct val="90000"/>
+              </a:lnSpc>
+              <a:spcBef>
+                <a:spcPts val="500"/>
+              </a:spcBef>
+              <a:buFont typeface="Arial" panose="020B0604020202020204" pitchFamily="34" charset="0"/>
+              <a:buChar char="•"/>
+              <a:defRPr sz="1800" kern="1200">
+                <a:solidFill>
+                  <a:schemeClr val="tx1"/>
+                </a:solidFill>
+                <a:latin typeface="+mn-lt"/>
+                <a:ea typeface="+mn-ea"/>
+                <a:cs typeface="+mn-cs"/>
+              </a:defRPr>
+            </a:lvl5pPr>
+            <a:lvl6pPr marL="2514600" indent="-228600" algn="l" defTabSz="914400" rtl="0" eaLnBrk="1" latinLnBrk="0" hangingPunct="1">
+              <a:lnSpc>
+                <a:spcPct val="90000"/>
+              </a:lnSpc>
+              <a:spcBef>
+                <a:spcPts val="500"/>
+              </a:spcBef>
+              <a:buFont typeface="Arial" panose="020B0604020202020204" pitchFamily="34" charset="0"/>
+              <a:buChar char="•"/>
+              <a:defRPr sz="1800" kern="1200">
+                <a:solidFill>
+                  <a:schemeClr val="tx1"/>
+                </a:solidFill>
+                <a:latin typeface="+mn-lt"/>
+                <a:ea typeface="+mn-ea"/>
+                <a:cs typeface="+mn-cs"/>
+              </a:defRPr>
+            </a:lvl6pPr>
+            <a:lvl7pPr marL="2971800" indent="-228600" algn="l" defTabSz="914400" rtl="0" eaLnBrk="1" latinLnBrk="0" hangingPunct="1">
+              <a:lnSpc>
+                <a:spcPct val="90000"/>
+              </a:lnSpc>
+              <a:spcBef>
+                <a:spcPts val="500"/>
+              </a:spcBef>
+              <a:buFont typeface="Arial" panose="020B0604020202020204" pitchFamily="34" charset="0"/>
+              <a:buChar char="•"/>
+              <a:defRPr sz="1800" kern="1200">
+                <a:solidFill>
+                  <a:schemeClr val="tx1"/>
+                </a:solidFill>
+                <a:latin typeface="+mn-lt"/>
+                <a:ea typeface="+mn-ea"/>
+                <a:cs typeface="+mn-cs"/>
+              </a:defRPr>
+            </a:lvl7pPr>
+            <a:lvl8pPr marL="3429000" indent="-228600" algn="l" defTabSz="914400" rtl="0" eaLnBrk="1" latinLnBrk="0" hangingPunct="1">
+              <a:lnSpc>
+                <a:spcPct val="90000"/>
+              </a:lnSpc>
+              <a:spcBef>
+                <a:spcPts val="500"/>
+              </a:spcBef>
+              <a:buFont typeface="Arial" panose="020B0604020202020204" pitchFamily="34" charset="0"/>
+              <a:buChar char="•"/>
+              <a:defRPr sz="1800" kern="1200">
+                <a:solidFill>
+                  <a:schemeClr val="tx1"/>
+                </a:solidFill>
+                <a:latin typeface="+mn-lt"/>
+                <a:ea typeface="+mn-ea"/>
+                <a:cs typeface="+mn-cs"/>
+              </a:defRPr>
+            </a:lvl8pPr>
+            <a:lvl9pPr marL="3886200" indent="-228600" algn="l" defTabSz="914400" rtl="0" eaLnBrk="1" latinLnBrk="0" hangingPunct="1">
+              <a:lnSpc>
+                <a:spcPct val="90000"/>
+              </a:lnSpc>
+              <a:spcBef>
+                <a:spcPts val="500"/>
+              </a:spcBef>
+              <a:buFont typeface="Arial" panose="020B0604020202020204" pitchFamily="34" charset="0"/>
+              <a:buChar char="•"/>
+              <a:defRPr sz="1800" kern="1200">
+                <a:solidFill>
+                  <a:schemeClr val="tx1"/>
+                </a:solidFill>
+                <a:latin typeface="+mn-lt"/>
+                <a:ea typeface="+mn-ea"/>
+                <a:cs typeface="+mn-cs"/>
+              </a:defRPr>
+            </a:lvl9pPr>
+          </a:lstStyle>
+          <a:p>
+            <a:r>
+              <a:rPr lang="zh-CN" altLang="en-US" dirty="0"/>
+              <a:t>亮度传感器</a:t>
+            </a:r>
+            <a:endParaRPr lang="en-US" altLang="zh-CN" dirty="0"/>
+          </a:p>
+          <a:p>
+            <a:r>
+              <a:rPr lang="zh-CN" altLang="en-US" dirty="0"/>
+              <a:t>气压传感器</a:t>
+            </a:r>
+            <a:endParaRPr lang="en-US" altLang="zh-CN" dirty="0"/>
+          </a:p>
+          <a:p>
+            <a:r>
+              <a:rPr lang="zh-CN" altLang="en-US" dirty="0"/>
+              <a:t>湿度传感器</a:t>
+            </a:r>
+          </a:p>
+        </p:txBody>
+      </p:sp>
+    </p:spTree>
+    <p:extLst>
+      <p:ext uri="{BB962C8B-B14F-4D97-AF65-F5344CB8AC3E}">
+        <p14:creationId xmlns:p14="http://schemas.microsoft.com/office/powerpoint/2010/main" val="1651388642"/>
+      </p:ext>
+    </p:extLst>
+  </p:cSld>
+  <p:clrMapOvr>
+    <a:masterClrMapping/>
+  </p:clrMapOvr>
+</p:sld>
+</file>
+
+<file path=ppt/slides/slide16.xml><?xml version="1.0" encoding="utf-8"?>
+<p:sld xmlns:a="http://schemas.openxmlformats.org/drawingml/2006/main" xmlns:r="http://schemas.openxmlformats.org/officeDocument/2006/relationships" xmlns:p="http://schemas.openxmlformats.org/presentationml/2006/main">
+  <p:cSld>
+    <p:spTree>
+      <p:nvGrpSpPr>
+        <p:cNvPr id="1" name=""/>
+        <p:cNvGrpSpPr/>
+        <p:nvPr/>
+      </p:nvGrpSpPr>
+      <p:grpSpPr>
+        <a:xfrm>
+          <a:off x="0" y="0"/>
+          <a:ext cx="0" cy="0"/>
+          <a:chOff x="0" y="0"/>
+          <a:chExt cx="0" cy="0"/>
+        </a:xfrm>
+      </p:grpSpPr>
+      <p:sp>
+        <p:nvSpPr>
+          <p:cNvPr id="2" name="标题 1">
+            <a:extLst>
+              <a:ext uri="{FF2B5EF4-FFF2-40B4-BE49-F238E27FC236}">
+                <a16:creationId xmlns:a16="http://schemas.microsoft.com/office/drawing/2014/main" id="{54CDB2F6-5906-480B-9B0F-E84B29436118}"/>
+              </a:ext>
+            </a:extLst>
+          </p:cNvPr>
+          <p:cNvSpPr>
+            <a:spLocks noGrp="1"/>
+          </p:cNvSpPr>
+          <p:nvPr>
+            <p:ph type="title"/>
+          </p:nvPr>
+        </p:nvSpPr>
+        <p:spPr/>
+        <p:txBody>
+          <a:bodyPr/>
+          <a:lstStyle/>
+          <a:p>
+            <a:r>
+              <a:rPr lang="zh-CN" altLang="en-US" dirty="0"/>
+              <a:t>手环</a:t>
+            </a:r>
+          </a:p>
+        </p:txBody>
+      </p:sp>
+      <p:sp>
+        <p:nvSpPr>
+          <p:cNvPr id="3" name="内容占位符 2">
+            <a:extLst>
+              <a:ext uri="{FF2B5EF4-FFF2-40B4-BE49-F238E27FC236}">
+                <a16:creationId xmlns:a16="http://schemas.microsoft.com/office/drawing/2014/main" id="{52EAA04C-7FD0-425C-BFBE-8C01B92994C4}"/>
+              </a:ext>
+            </a:extLst>
+          </p:cNvPr>
+          <p:cNvSpPr>
+            <a:spLocks noGrp="1"/>
+          </p:cNvSpPr>
+          <p:nvPr>
+            <p:ph idx="1"/>
+          </p:nvPr>
+        </p:nvSpPr>
+        <p:spPr>
+          <a:xfrm>
+            <a:off x="838200" y="1825625"/>
+            <a:ext cx="2694354" cy="4351338"/>
+          </a:xfrm>
+        </p:spPr>
+        <p:txBody>
+          <a:bodyPr>
+            <a:normAutofit lnSpcReduction="10000"/>
+          </a:bodyPr>
+          <a:lstStyle/>
+          <a:p>
+            <a:r>
+              <a:rPr lang="zh-CN" altLang="en-US" dirty="0"/>
+              <a:t>脉搏</a:t>
+            </a:r>
+            <a:endParaRPr lang="en-US" altLang="zh-CN" dirty="0"/>
+          </a:p>
+          <a:p>
+            <a:r>
+              <a:rPr lang="zh-CN" altLang="en-US" dirty="0"/>
+              <a:t>心率</a:t>
+            </a:r>
+            <a:endParaRPr lang="en-US" altLang="zh-CN" dirty="0"/>
+          </a:p>
+          <a:p>
+            <a:r>
+              <a:rPr lang="zh-CN" altLang="en-US" dirty="0"/>
+              <a:t>皮肤电活动</a:t>
+            </a:r>
+            <a:endParaRPr lang="en-US" altLang="zh-CN" dirty="0"/>
+          </a:p>
+          <a:p>
+            <a:r>
+              <a:rPr lang="zh-CN" altLang="en-US" dirty="0"/>
+              <a:t>加速度计</a:t>
+            </a:r>
+            <a:endParaRPr lang="en-US" altLang="zh-CN" dirty="0"/>
+          </a:p>
+          <a:p>
+            <a:r>
+              <a:rPr lang="zh-CN" altLang="en-US" dirty="0"/>
+              <a:t>高度计</a:t>
+            </a:r>
+            <a:endParaRPr lang="en-US" altLang="zh-CN" dirty="0"/>
+          </a:p>
+          <a:p>
+            <a:r>
+              <a:rPr lang="zh-CN" altLang="en-US" dirty="0"/>
+              <a:t>温度计</a:t>
+            </a:r>
+            <a:endParaRPr lang="en-US" altLang="zh-CN" dirty="0"/>
+          </a:p>
+          <a:p>
+            <a:r>
+              <a:rPr lang="zh-CN" altLang="en-US" dirty="0"/>
+              <a:t>陀螺仪</a:t>
+            </a:r>
+            <a:endParaRPr lang="en-US" altLang="zh-CN" dirty="0"/>
+          </a:p>
+          <a:p>
+            <a:r>
+              <a:rPr lang="en-US" altLang="zh-CN" dirty="0"/>
+              <a:t>NFC(</a:t>
+            </a:r>
+            <a:r>
+              <a:rPr lang="zh-CN" altLang="en-US" dirty="0"/>
+              <a:t>近场通信</a:t>
+            </a:r>
+            <a:r>
+              <a:rPr lang="en-US" altLang="zh-CN" dirty="0"/>
+              <a:t>)</a:t>
+            </a:r>
+          </a:p>
+          <a:p>
+            <a:r>
+              <a:rPr lang="zh-CN" altLang="en-US" dirty="0"/>
+              <a:t>磁场</a:t>
+            </a:r>
+            <a:endParaRPr lang="en-US" altLang="zh-CN" dirty="0"/>
+          </a:p>
+          <a:p>
+            <a:endParaRPr lang="en-US" altLang="zh-CN" dirty="0"/>
+          </a:p>
+        </p:txBody>
+      </p:sp>
+      <p:sp>
+        <p:nvSpPr>
+          <p:cNvPr id="4" name="内容占位符 2">
+            <a:extLst>
+              <a:ext uri="{FF2B5EF4-FFF2-40B4-BE49-F238E27FC236}">
+                <a16:creationId xmlns:a16="http://schemas.microsoft.com/office/drawing/2014/main" id="{090C34D6-FF43-409D-A5F7-516D104C376A}"/>
+              </a:ext>
+            </a:extLst>
+          </p:cNvPr>
+          <p:cNvSpPr txBox="1">
+            <a:spLocks/>
+          </p:cNvSpPr>
+          <p:nvPr/>
+        </p:nvSpPr>
+        <p:spPr>
+          <a:xfrm>
+            <a:off x="6096000" y="1825625"/>
+            <a:ext cx="2694354" cy="4351338"/>
+          </a:xfrm>
+          <a:prstGeom prst="rect">
+            <a:avLst/>
+          </a:prstGeom>
+        </p:spPr>
+        <p:txBody>
+          <a:bodyPr vert="horz" lIns="91440" tIns="45720" rIns="91440" bIns="45720" rtlCol="0">
+            <a:normAutofit/>
+          </a:bodyPr>
+          <a:lstStyle>
+            <a:lvl1pPr marL="228600" indent="-228600" algn="l" defTabSz="914400" rtl="0" eaLnBrk="1" latinLnBrk="0" hangingPunct="1">
+              <a:lnSpc>
+                <a:spcPct val="90000"/>
+              </a:lnSpc>
+              <a:spcBef>
+                <a:spcPts val="1000"/>
+              </a:spcBef>
+              <a:buFont typeface="Arial" panose="020B0604020202020204" pitchFamily="34" charset="0"/>
+              <a:buChar char="•"/>
+              <a:defRPr sz="2800" kern="1200">
+                <a:solidFill>
+                  <a:schemeClr val="tx1"/>
+                </a:solidFill>
+                <a:latin typeface="+mn-lt"/>
+                <a:ea typeface="+mn-ea"/>
+                <a:cs typeface="+mn-cs"/>
+              </a:defRPr>
+            </a:lvl1pPr>
+            <a:lvl2pPr marL="685800" indent="-228600" algn="l" defTabSz="914400" rtl="0" eaLnBrk="1" latinLnBrk="0" hangingPunct="1">
+              <a:lnSpc>
+                <a:spcPct val="90000"/>
+              </a:lnSpc>
+              <a:spcBef>
+                <a:spcPts val="500"/>
+              </a:spcBef>
+              <a:buFont typeface="Arial" panose="020B0604020202020204" pitchFamily="34" charset="0"/>
+              <a:buChar char="•"/>
+              <a:defRPr sz="2400" kern="1200">
+                <a:solidFill>
+                  <a:schemeClr val="tx1"/>
+                </a:solidFill>
+                <a:latin typeface="+mn-lt"/>
+                <a:ea typeface="+mn-ea"/>
+                <a:cs typeface="+mn-cs"/>
+              </a:defRPr>
+            </a:lvl2pPr>
+            <a:lvl3pPr marL="1143000" indent="-228600" algn="l" defTabSz="914400" rtl="0" eaLnBrk="1" latinLnBrk="0" hangingPunct="1">
+              <a:lnSpc>
+                <a:spcPct val="90000"/>
+              </a:lnSpc>
+              <a:spcBef>
+                <a:spcPts val="500"/>
+              </a:spcBef>
+              <a:buFont typeface="Arial" panose="020B0604020202020204" pitchFamily="34" charset="0"/>
+              <a:buChar char="•"/>
+              <a:defRPr sz="2000" kern="1200">
+                <a:solidFill>
+                  <a:schemeClr val="tx1"/>
+                </a:solidFill>
+                <a:latin typeface="+mn-lt"/>
+                <a:ea typeface="+mn-ea"/>
+                <a:cs typeface="+mn-cs"/>
+              </a:defRPr>
+            </a:lvl3pPr>
+            <a:lvl4pPr marL="1600200" indent="-228600" algn="l" defTabSz="914400" rtl="0" eaLnBrk="1" latinLnBrk="0" hangingPunct="1">
+              <a:lnSpc>
+                <a:spcPct val="90000"/>
+              </a:lnSpc>
+              <a:spcBef>
+                <a:spcPts val="500"/>
+              </a:spcBef>
+              <a:buFont typeface="Arial" panose="020B0604020202020204" pitchFamily="34" charset="0"/>
+              <a:buChar char="•"/>
+              <a:defRPr sz="1800" kern="1200">
+                <a:solidFill>
+                  <a:schemeClr val="tx1"/>
+                </a:solidFill>
+                <a:latin typeface="+mn-lt"/>
+                <a:ea typeface="+mn-ea"/>
+                <a:cs typeface="+mn-cs"/>
+              </a:defRPr>
+            </a:lvl4pPr>
+            <a:lvl5pPr marL="2057400" indent="-228600" algn="l" defTabSz="914400" rtl="0" eaLnBrk="1" latinLnBrk="0" hangingPunct="1">
+              <a:lnSpc>
+                <a:spcPct val="90000"/>
+              </a:lnSpc>
+              <a:spcBef>
+                <a:spcPts val="500"/>
+              </a:spcBef>
+              <a:buFont typeface="Arial" panose="020B0604020202020204" pitchFamily="34" charset="0"/>
+              <a:buChar char="•"/>
+              <a:defRPr sz="1800" kern="1200">
+                <a:solidFill>
+                  <a:schemeClr val="tx1"/>
+                </a:solidFill>
+                <a:latin typeface="+mn-lt"/>
+                <a:ea typeface="+mn-ea"/>
+                <a:cs typeface="+mn-cs"/>
+              </a:defRPr>
+            </a:lvl5pPr>
+            <a:lvl6pPr marL="2514600" indent="-228600" algn="l" defTabSz="914400" rtl="0" eaLnBrk="1" latinLnBrk="0" hangingPunct="1">
+              <a:lnSpc>
+                <a:spcPct val="90000"/>
+              </a:lnSpc>
+              <a:spcBef>
+                <a:spcPts val="500"/>
+              </a:spcBef>
+              <a:buFont typeface="Arial" panose="020B0604020202020204" pitchFamily="34" charset="0"/>
+              <a:buChar char="•"/>
+              <a:defRPr sz="1800" kern="1200">
+                <a:solidFill>
+                  <a:schemeClr val="tx1"/>
+                </a:solidFill>
+                <a:latin typeface="+mn-lt"/>
+                <a:ea typeface="+mn-ea"/>
+                <a:cs typeface="+mn-cs"/>
+              </a:defRPr>
+            </a:lvl6pPr>
+            <a:lvl7pPr marL="2971800" indent="-228600" algn="l" defTabSz="914400" rtl="0" eaLnBrk="1" latinLnBrk="0" hangingPunct="1">
+              <a:lnSpc>
+                <a:spcPct val="90000"/>
+              </a:lnSpc>
+              <a:spcBef>
+                <a:spcPts val="500"/>
+              </a:spcBef>
+              <a:buFont typeface="Arial" panose="020B0604020202020204" pitchFamily="34" charset="0"/>
+              <a:buChar char="•"/>
+              <a:defRPr sz="1800" kern="1200">
+                <a:solidFill>
+                  <a:schemeClr val="tx1"/>
+                </a:solidFill>
+                <a:latin typeface="+mn-lt"/>
+                <a:ea typeface="+mn-ea"/>
+                <a:cs typeface="+mn-cs"/>
+              </a:defRPr>
+            </a:lvl7pPr>
+            <a:lvl8pPr marL="3429000" indent="-228600" algn="l" defTabSz="914400" rtl="0" eaLnBrk="1" latinLnBrk="0" hangingPunct="1">
+              <a:lnSpc>
+                <a:spcPct val="90000"/>
+              </a:lnSpc>
+              <a:spcBef>
+                <a:spcPts val="500"/>
+              </a:spcBef>
+              <a:buFont typeface="Arial" panose="020B0604020202020204" pitchFamily="34" charset="0"/>
+              <a:buChar char="•"/>
+              <a:defRPr sz="1800" kern="1200">
+                <a:solidFill>
+                  <a:schemeClr val="tx1"/>
+                </a:solidFill>
+                <a:latin typeface="+mn-lt"/>
+                <a:ea typeface="+mn-ea"/>
+                <a:cs typeface="+mn-cs"/>
+              </a:defRPr>
+            </a:lvl8pPr>
+            <a:lvl9pPr marL="3886200" indent="-228600" algn="l" defTabSz="914400" rtl="0" eaLnBrk="1" latinLnBrk="0" hangingPunct="1">
+              <a:lnSpc>
+                <a:spcPct val="90000"/>
+              </a:lnSpc>
+              <a:spcBef>
+                <a:spcPts val="500"/>
+              </a:spcBef>
+              <a:buFont typeface="Arial" panose="020B0604020202020204" pitchFamily="34" charset="0"/>
+              <a:buChar char="•"/>
+              <a:defRPr sz="1800" kern="1200">
+                <a:solidFill>
+                  <a:schemeClr val="tx1"/>
+                </a:solidFill>
+                <a:latin typeface="+mn-lt"/>
+                <a:ea typeface="+mn-ea"/>
+                <a:cs typeface="+mn-cs"/>
+              </a:defRPr>
+            </a:lvl9pPr>
+          </a:lstStyle>
+          <a:p>
+            <a:r>
+              <a:rPr lang="zh-CN" altLang="en-US" dirty="0"/>
+              <a:t>光线传感器</a:t>
+            </a:r>
+            <a:endParaRPr lang="en-US" altLang="zh-CN" dirty="0"/>
+          </a:p>
+          <a:p>
+            <a:endParaRPr lang="en-US" altLang="zh-CN" dirty="0"/>
+          </a:p>
+          <a:p>
+            <a:endParaRPr lang="en-US" altLang="zh-CN" dirty="0"/>
+          </a:p>
+        </p:txBody>
+      </p:sp>
+    </p:spTree>
+    <p:extLst>
+      <p:ext uri="{BB962C8B-B14F-4D97-AF65-F5344CB8AC3E}">
+        <p14:creationId xmlns:p14="http://schemas.microsoft.com/office/powerpoint/2010/main" val="4151837239"/>
+      </p:ext>
+    </p:extLst>
+  </p:cSld>
+  <p:clrMapOvr>
+    <a:masterClrMapping/>
+  </p:clrMapOvr>
+</p:sld>
+</file>
+
+<file path=ppt/slides/slide17.xml><?xml version="1.0" encoding="utf-8"?>
+<p:sld xmlns:a="http://schemas.openxmlformats.org/drawingml/2006/main" xmlns:r="http://schemas.openxmlformats.org/officeDocument/2006/relationships" xmlns:p="http://schemas.openxmlformats.org/presentationml/2006/main">
+  <p:cSld>
+    <p:spTree>
+      <p:nvGrpSpPr>
+        <p:cNvPr id="1" name=""/>
+        <p:cNvGrpSpPr/>
+        <p:nvPr/>
+      </p:nvGrpSpPr>
+      <p:grpSpPr>
+        <a:xfrm>
+          <a:off x="0" y="0"/>
+          <a:ext cx="0" cy="0"/>
+          <a:chOff x="0" y="0"/>
+          <a:chExt cx="0" cy="0"/>
+        </a:xfrm>
+      </p:grpSpPr>
+      <p:sp>
+        <p:nvSpPr>
+          <p:cNvPr id="2" name="标题 1">
+            <a:extLst>
+              <a:ext uri="{FF2B5EF4-FFF2-40B4-BE49-F238E27FC236}">
+                <a16:creationId xmlns:a16="http://schemas.microsoft.com/office/drawing/2014/main" id="{2897E7A9-9DEE-48DE-BAFF-A8DB7AE5D22F}"/>
+              </a:ext>
+            </a:extLst>
+          </p:cNvPr>
+          <p:cNvSpPr>
+            <a:spLocks noGrp="1"/>
+          </p:cNvSpPr>
+          <p:nvPr>
+            <p:ph type="title"/>
+          </p:nvPr>
+        </p:nvSpPr>
+        <p:spPr/>
+        <p:txBody>
+          <a:bodyPr/>
+          <a:lstStyle/>
+          <a:p>
+            <a:r>
+              <a:rPr lang="zh-CN" altLang="en-US" dirty="0"/>
+              <a:t>价格</a:t>
+            </a:r>
+          </a:p>
+        </p:txBody>
+      </p:sp>
+      <p:sp>
+        <p:nvSpPr>
+          <p:cNvPr id="3" name="内容占位符 2">
+            <a:extLst>
+              <a:ext uri="{FF2B5EF4-FFF2-40B4-BE49-F238E27FC236}">
+                <a16:creationId xmlns:a16="http://schemas.microsoft.com/office/drawing/2014/main" id="{06BCFBE1-E9D8-4F29-86E2-0C20BDD679B9}"/>
+              </a:ext>
+            </a:extLst>
+          </p:cNvPr>
+          <p:cNvSpPr>
+            <a:spLocks noGrp="1"/>
+          </p:cNvSpPr>
+          <p:nvPr>
+            <p:ph idx="1"/>
+          </p:nvPr>
+        </p:nvSpPr>
+        <p:spPr/>
+        <p:txBody>
+          <a:bodyPr/>
+          <a:lstStyle/>
+          <a:p>
+            <a:r>
+              <a:rPr lang="zh-CN" altLang="en-US" dirty="0"/>
+              <a:t>根据功能的多少</a:t>
+            </a:r>
+            <a:r>
+              <a:rPr lang="en-US" altLang="zh-CN" dirty="0"/>
+              <a:t>, </a:t>
+            </a:r>
+            <a:r>
+              <a:rPr lang="zh-CN" altLang="en-US" dirty="0"/>
+              <a:t>介于</a:t>
+            </a:r>
+            <a:r>
+              <a:rPr lang="en-US" altLang="zh-CN" dirty="0"/>
+              <a:t>200-2000</a:t>
+            </a:r>
+            <a:r>
+              <a:rPr lang="zh-CN" altLang="en-US" dirty="0"/>
+              <a:t>之间</a:t>
+            </a:r>
+          </a:p>
+        </p:txBody>
+      </p:sp>
+    </p:spTree>
+    <p:extLst>
+      <p:ext uri="{BB962C8B-B14F-4D97-AF65-F5344CB8AC3E}">
+        <p14:creationId xmlns:p14="http://schemas.microsoft.com/office/powerpoint/2010/main" val="3629513771"/>
+      </p:ext>
+    </p:extLst>
+  </p:cSld>
+  <p:clrMapOvr>
+    <a:masterClrMapping/>
+  </p:clrMapOvr>
+</p:sld>
+</file>
+
 <file path=ppt/slides/slide2.xml><?xml version="1.0" encoding="utf-8"?>
 <p:sld xmlns:a="http://schemas.openxmlformats.org/drawingml/2006/main" xmlns:r="http://schemas.openxmlformats.org/officeDocument/2006/relationships" xmlns:p="http://schemas.openxmlformats.org/presentationml/2006/main">
   <p:cSld>
@@ -4131,6 +5385,78 @@
           </a:p>
         </p:txBody>
       </p:sp>
+      <p:pic>
+        <p:nvPicPr>
+          <p:cNvPr id="5" name="图片 4" descr="图片包含 屏幕截图&#10;&#10;描述已自动生成">
+            <a:extLst>
+              <a:ext uri="{FF2B5EF4-FFF2-40B4-BE49-F238E27FC236}">
+                <a16:creationId xmlns:a16="http://schemas.microsoft.com/office/drawing/2014/main" id="{C908AB5F-23E7-4EED-B142-85C37F24291A}"/>
+              </a:ext>
+            </a:extLst>
+          </p:cNvPr>
+          <p:cNvPicPr>
+            <a:picLocks noChangeAspect="1"/>
+          </p:cNvPicPr>
+          <p:nvPr/>
+        </p:nvPicPr>
+        <p:blipFill>
+          <a:blip r:embed="rId2">
+            <a:extLst>
+              <a:ext uri="{28A0092B-C50C-407E-A947-70E740481C1C}">
+                <a14:useLocalDpi xmlns:a14="http://schemas.microsoft.com/office/drawing/2010/main" val="0"/>
+              </a:ext>
+            </a:extLst>
+          </a:blip>
+          <a:stretch>
+            <a:fillRect/>
+          </a:stretch>
+        </p:blipFill>
+        <p:spPr>
+          <a:xfrm>
+            <a:off x="3253274" y="1690688"/>
+            <a:ext cx="4030695" cy="3023021"/>
+          </a:xfrm>
+          <a:prstGeom prst="rect">
+            <a:avLst/>
+          </a:prstGeom>
+        </p:spPr>
+      </p:pic>
+      <p:pic>
+        <p:nvPicPr>
+          <p:cNvPr id="7" name="图片 6" descr="图片包含 美食&#10;&#10;描述已自动生成">
+            <a:extLst>
+              <a:ext uri="{FF2B5EF4-FFF2-40B4-BE49-F238E27FC236}">
+                <a16:creationId xmlns:a16="http://schemas.microsoft.com/office/drawing/2014/main" id="{A0FE7AE3-3D97-418B-A67A-1C392C1EF7B6}"/>
+              </a:ext>
+            </a:extLst>
+          </p:cNvPr>
+          <p:cNvPicPr>
+            <a:picLocks noChangeAspect="1"/>
+          </p:cNvPicPr>
+          <p:nvPr/>
+        </p:nvPicPr>
+        <p:blipFill>
+          <a:blip r:embed="rId3">
+            <a:extLst>
+              <a:ext uri="{28A0092B-C50C-407E-A947-70E740481C1C}">
+                <a14:useLocalDpi xmlns:a14="http://schemas.microsoft.com/office/drawing/2010/main" val="0"/>
+              </a:ext>
+            </a:extLst>
+          </a:blip>
+          <a:stretch>
+            <a:fillRect/>
+          </a:stretch>
+        </p:blipFill>
+        <p:spPr>
+          <a:xfrm>
+            <a:off x="7791158" y="1690687"/>
+            <a:ext cx="4023498" cy="3023022"/>
+          </a:xfrm>
+          <a:prstGeom prst="rect">
+            <a:avLst/>
+          </a:prstGeom>
+        </p:spPr>
+      </p:pic>
     </p:spTree>
     <p:extLst>
       <p:ext uri="{BB962C8B-B14F-4D97-AF65-F5344CB8AC3E}">
